--- a/binary/pp.pptx
+++ b/binary/pp.pptx
@@ -3018,6 +3018,46 @@
           </a:p>
         </p:txBody>
       </p:sp>
+      <p:sp>
+        <p:nvSpPr>
+          <p:cNvPr id="4" name="Rectangle 3"/>
+          <p:cNvSpPr/>
+          <p:nvPr/>
+        </p:nvSpPr>
+        <p:spPr>
+          <a:xfrm>
+            <a:off x="820057" y="355600"/>
+            <a:ext cx="3154363" cy="3154363"/>
+          </a:xfrm>
+          <a:prstGeom prst="rect">
+            <a:avLst/>
+          </a:prstGeom>
+        </p:spPr>
+        <p:style>
+          <a:lnRef idx="2">
+            <a:schemeClr val="accent1">
+              <a:shade val="50000"/>
+            </a:schemeClr>
+          </a:lnRef>
+          <a:fillRef idx="1">
+            <a:schemeClr val="accent1"/>
+          </a:fillRef>
+          <a:effectRef idx="0">
+            <a:schemeClr val="accent1"/>
+          </a:effectRef>
+          <a:fontRef idx="minor">
+            <a:schemeClr val="lt1"/>
+          </a:fontRef>
+        </p:style>
+        <p:txBody>
+          <a:bodyPr rtlCol="0" anchor="ctr"/>
+          <a:lstStyle/>
+          <a:p>
+            <a:pPr algn="ctr"/>
+            <a:endParaRPr lang="en-US"/>
+          </a:p>
+        </p:txBody>
+      </p:sp>
     </p:spTree>
     <p:extLst>
       <p:ext uri="{BB962C8B-B14F-4D97-AF65-F5344CB8AC3E}">

--- a/binary/pp.pptx
+++ b/binary/pp.pptx
@@ -6,6 +6,7 @@
   </p:sldMasterIdLst>
   <p:sldIdLst>
     <p:sldId id="256" r:id="rId2"/>
+    <p:sldId id="257" r:id="rId3"/>
   </p:sldIdLst>
   <p:sldSz cx="12192000" cy="6858000"/>
   <p:notesSz cx="6858000" cy="9144000"/>
@@ -3018,10 +3019,158 @@
           </a:p>
         </p:txBody>
       </p:sp>
+      <p:sp>
+        <p:nvSpPr>
+          <p:cNvPr id="4" name="Oval 3"/>
+          <p:cNvSpPr/>
+          <p:nvPr/>
+        </p:nvSpPr>
+        <p:spPr>
+          <a:xfrm>
+            <a:off x="7605486" y="1122363"/>
+            <a:ext cx="4135437" cy="4135437"/>
+          </a:xfrm>
+          <a:prstGeom prst="ellipse">
+            <a:avLst/>
+          </a:prstGeom>
+        </p:spPr>
+        <p:style>
+          <a:lnRef idx="2">
+            <a:schemeClr val="accent1">
+              <a:shade val="50000"/>
+            </a:schemeClr>
+          </a:lnRef>
+          <a:fillRef idx="1">
+            <a:schemeClr val="accent1"/>
+          </a:fillRef>
+          <a:effectRef idx="0">
+            <a:schemeClr val="accent1"/>
+          </a:effectRef>
+          <a:fontRef idx="minor">
+            <a:schemeClr val="lt1"/>
+          </a:fontRef>
+        </p:style>
+        <p:txBody>
+          <a:bodyPr rtlCol="0" anchor="ctr"/>
+          <a:lstStyle/>
+          <a:p>
+            <a:pPr algn="ctr"/>
+            <a:endParaRPr lang="en-US"/>
+          </a:p>
+        </p:txBody>
+      </p:sp>
     </p:spTree>
     <p:extLst>
       <p:ext uri="{BB962C8B-B14F-4D97-AF65-F5344CB8AC3E}">
         <p14:creationId xmlns:p14="http://schemas.microsoft.com/office/powerpoint/2010/main" val="1833332559"/>
+      </p:ext>
+    </p:extLst>
+  </p:cSld>
+  <p:clrMapOvr>
+    <a:masterClrMapping/>
+  </p:clrMapOvr>
+</p:sld>
+</file>
+
+<file path=ppt/slides/slide2.xml><?xml version="1.0" encoding="utf-8"?>
+<p:sld xmlns:a="http://schemas.openxmlformats.org/drawingml/2006/main" xmlns:r="http://schemas.openxmlformats.org/officeDocument/2006/relationships" xmlns:p="http://schemas.openxmlformats.org/presentationml/2006/main">
+  <p:cSld>
+    <p:spTree>
+      <p:nvGrpSpPr>
+        <p:cNvPr id="1" name=""/>
+        <p:cNvGrpSpPr/>
+        <p:nvPr/>
+      </p:nvGrpSpPr>
+      <p:grpSpPr>
+        <a:xfrm>
+          <a:off x="0" y="0"/>
+          <a:ext cx="0" cy="0"/>
+          <a:chOff x="0" y="0"/>
+          <a:chExt cx="0" cy="0"/>
+        </a:xfrm>
+      </p:grpSpPr>
+      <p:sp>
+        <p:nvSpPr>
+          <p:cNvPr id="2" name="Title 1"/>
+          <p:cNvSpPr>
+            <a:spLocks noGrp="1"/>
+          </p:cNvSpPr>
+          <p:nvPr>
+            <p:ph type="title"/>
+          </p:nvPr>
+        </p:nvSpPr>
+        <p:spPr/>
+        <p:txBody>
+          <a:bodyPr/>
+          <a:lstStyle/>
+          <a:p>
+            <a:endParaRPr lang="en-US"/>
+          </a:p>
+        </p:txBody>
+      </p:sp>
+      <p:sp>
+        <p:nvSpPr>
+          <p:cNvPr id="3" name="Content Placeholder 2"/>
+          <p:cNvSpPr>
+            <a:spLocks noGrp="1"/>
+          </p:cNvSpPr>
+          <p:nvPr>
+            <p:ph idx="1"/>
+          </p:nvPr>
+        </p:nvSpPr>
+        <p:spPr/>
+        <p:txBody>
+          <a:bodyPr/>
+          <a:lstStyle/>
+          <a:p>
+            <a:endParaRPr lang="en-US"/>
+          </a:p>
+        </p:txBody>
+      </p:sp>
+      <p:sp>
+        <p:nvSpPr>
+          <p:cNvPr id="4" name="Oval 3"/>
+          <p:cNvSpPr/>
+          <p:nvPr/>
+        </p:nvSpPr>
+        <p:spPr>
+          <a:xfrm>
+            <a:off x="3759200" y="926420"/>
+            <a:ext cx="4135437" cy="4135437"/>
+          </a:xfrm>
+          <a:prstGeom prst="ellipse">
+            <a:avLst/>
+          </a:prstGeom>
+        </p:spPr>
+        <p:style>
+          <a:lnRef idx="2">
+            <a:schemeClr val="accent1">
+              <a:shade val="50000"/>
+            </a:schemeClr>
+          </a:lnRef>
+          <a:fillRef idx="1">
+            <a:schemeClr val="accent1"/>
+          </a:fillRef>
+          <a:effectRef idx="0">
+            <a:schemeClr val="accent1"/>
+          </a:effectRef>
+          <a:fontRef idx="minor">
+            <a:schemeClr val="lt1"/>
+          </a:fontRef>
+        </p:style>
+        <p:txBody>
+          <a:bodyPr rtlCol="0" anchor="ctr"/>
+          <a:lstStyle/>
+          <a:p>
+            <a:pPr algn="ctr"/>
+            <a:endParaRPr lang="en-US"/>
+          </a:p>
+        </p:txBody>
+      </p:sp>
+    </p:spTree>
+    <p:extLst>
+      <p:ext uri="{BB962C8B-B14F-4D97-AF65-F5344CB8AC3E}">
+        <p14:creationId xmlns:p14="http://schemas.microsoft.com/office/powerpoint/2010/main" val="1682387527"/>
       </p:ext>
     </p:extLst>
   </p:cSld>

--- a/binary/pp.pptx
+++ b/binary/pp.pptx
@@ -7,6 +7,20 @@
   <p:sldIdLst>
     <p:sldId id="256" r:id="rId2"/>
     <p:sldId id="257" r:id="rId3"/>
+    <p:sldId id="258" r:id="rId4"/>
+    <p:sldId id="259" r:id="rId5"/>
+    <p:sldId id="260" r:id="rId6"/>
+    <p:sldId id="261" r:id="rId7"/>
+    <p:sldId id="262" r:id="rId8"/>
+    <p:sldId id="263" r:id="rId9"/>
+    <p:sldId id="264" r:id="rId10"/>
+    <p:sldId id="265" r:id="rId11"/>
+    <p:sldId id="266" r:id="rId12"/>
+    <p:sldId id="267" r:id="rId13"/>
+    <p:sldId id="268" r:id="rId14"/>
+    <p:sldId id="269" r:id="rId15"/>
+    <p:sldId id="270" r:id="rId16"/>
+    <p:sldId id="271" r:id="rId17"/>
   </p:sldIdLst>
   <p:sldSz cx="12192000" cy="6858000"/>
   <p:notesSz cx="6858000" cy="9144000"/>
@@ -106,6 +120,90 @@
     </a:lvl9pPr>
   </p:defaultTextStyle>
   <p:extLst>
+    <p:ext uri="{521415D9-36F7-43E2-AB2F-B90AF26B5E84}">
+      <p14:sectionLst xmlns:p14="http://schemas.microsoft.com/office/powerpoint/2010/main">
+        <p14:section name="Default Section" id="{915E4E69-0A9A-A94C-82D0-F349A1E50824}">
+          <p14:sldIdLst>
+            <p14:sldId id="256"/>
+          </p14:sldIdLst>
+        </p14:section>
+        <p14:section name="ikarashi" id="{2696A14A-C2D1-4240-98FF-4676672CE547}">
+          <p14:sldIdLst>
+            <p14:sldId id="257"/>
+          </p14:sldIdLst>
+        </p14:section>
+        <p14:section name="mizuno" id="{BAD9F25D-7C57-C045-B78C-AA450A064784}">
+          <p14:sldIdLst>
+            <p14:sldId id="258"/>
+          </p14:sldIdLst>
+        </p14:section>
+        <p14:section name="nishizawa" id="{2C1A0C02-365A-E840-803A-291860AE4E5B}">
+          <p14:sldIdLst>
+            <p14:sldId id="259"/>
+          </p14:sldIdLst>
+        </p14:section>
+        <p14:section name="senzaki" id="{697DE615-C794-A747-96CD-87DCC776C653}">
+          <p14:sldIdLst>
+            <p14:sldId id="260"/>
+          </p14:sldIdLst>
+        </p14:section>
+        <p14:section name="shida" id="{EA30A431-6337-F448-BF1F-A120AA7D4EA0}">
+          <p14:sldIdLst>
+            <p14:sldId id="261"/>
+          </p14:sldIdLst>
+        </p14:section>
+        <p14:section name="sugiyama" id="{75F2F2AE-2095-1342-A878-980466442FEA}">
+          <p14:sldIdLst>
+            <p14:sldId id="262"/>
+          </p14:sldIdLst>
+        </p14:section>
+        <p14:section name="suzuki" id="{DA32FA02-D3B5-264A-AE4D-43909C44891B}">
+          <p14:sldIdLst>
+            <p14:sldId id="263"/>
+          </p14:sldIdLst>
+        </p14:section>
+        <p14:section name="takemoto" id="{284BCC83-41E4-A84D-B139-73B3A103968F}">
+          <p14:sldIdLst>
+            <p14:sldId id="264"/>
+          </p14:sldIdLst>
+        </p14:section>
+        <p14:section name="tobe" id="{4A72249E-96B9-C042-AE52-6E31E2A0958E}">
+          <p14:sldIdLst>
+            <p14:sldId id="265"/>
+          </p14:sldIdLst>
+        </p14:section>
+        <p14:section name="ushijima" id="{0A3395D2-7F16-0F40-B184-03A6942CB9DB}">
+          <p14:sldIdLst>
+            <p14:sldId id="266"/>
+          </p14:sldIdLst>
+        </p14:section>
+        <p14:section name="watabe" id="{9B5D2F69-0A67-5149-B21D-4C5C6A06A5B9}">
+          <p14:sldIdLst>
+            <p14:sldId id="267"/>
+          </p14:sldIdLst>
+        </p14:section>
+        <p14:section name="yamazaki" id="{EDEDF5EF-C5A4-2D4B-B298-28C21B6B6FF5}">
+          <p14:sldIdLst>
+            <p14:sldId id="268"/>
+          </p14:sldIdLst>
+        </p14:section>
+        <p14:section name="yano" id="{E6ED5F47-A628-3B4C-B667-B3179006B531}">
+          <p14:sldIdLst>
+            <p14:sldId id="269"/>
+          </p14:sldIdLst>
+        </p14:section>
+        <p14:section name="yokoyama" id="{B6A317EB-B77F-B24F-9D75-9731D068D858}">
+          <p14:sldIdLst>
+            <p14:sldId id="270"/>
+          </p14:sldIdLst>
+        </p14:section>
+        <p14:section name="yonehama" id="{CBDFDF44-C4E8-5844-A1AC-6D94DA32E0A5}">
+          <p14:sldIdLst>
+            <p14:sldId id="271"/>
+          </p14:sldIdLst>
+        </p14:section>
+      </p14:sectionLst>
+    </p:ext>
     <p:ext uri="{EFAFB233-063F-42B5-8137-9DF3F51BA10A}">
       <p15:sldGuideLst xmlns:p15="http://schemas.microsoft.com/office/powerpoint/2012/main">
         <p15:guide id="1" orient="horz" pos="2160" userDrawn="1">
@@ -255,7 +353,7 @@
           <a:p>
             <a:fld id="{951F47FB-2FE5-224A-A216-AE60904D26D0}" type="datetimeFigureOut">
               <a:rPr lang="en-US" smtClean="0"/>
-              <a:t>7/25/17</a:t>
+              <a:t>7/26/17</a:t>
             </a:fld>
             <a:endParaRPr lang="en-US"/>
           </a:p>
@@ -425,7 +523,7 @@
           <a:p>
             <a:fld id="{951F47FB-2FE5-224A-A216-AE60904D26D0}" type="datetimeFigureOut">
               <a:rPr lang="en-US" smtClean="0"/>
-              <a:t>7/25/17</a:t>
+              <a:t>7/26/17</a:t>
             </a:fld>
             <a:endParaRPr lang="en-US"/>
           </a:p>
@@ -605,7 +703,7 @@
           <a:p>
             <a:fld id="{951F47FB-2FE5-224A-A216-AE60904D26D0}" type="datetimeFigureOut">
               <a:rPr lang="en-US" smtClean="0"/>
-              <a:t>7/25/17</a:t>
+              <a:t>7/26/17</a:t>
             </a:fld>
             <a:endParaRPr lang="en-US"/>
           </a:p>
@@ -775,7 +873,7 @@
           <a:p>
             <a:fld id="{951F47FB-2FE5-224A-A216-AE60904D26D0}" type="datetimeFigureOut">
               <a:rPr lang="en-US" smtClean="0"/>
-              <a:t>7/25/17</a:t>
+              <a:t>7/26/17</a:t>
             </a:fld>
             <a:endParaRPr lang="en-US"/>
           </a:p>
@@ -1021,7 +1119,7 @@
           <a:p>
             <a:fld id="{951F47FB-2FE5-224A-A216-AE60904D26D0}" type="datetimeFigureOut">
               <a:rPr lang="en-US" smtClean="0"/>
-              <a:t>7/25/17</a:t>
+              <a:t>7/26/17</a:t>
             </a:fld>
             <a:endParaRPr lang="en-US"/>
           </a:p>
@@ -1253,7 +1351,7 @@
           <a:p>
             <a:fld id="{951F47FB-2FE5-224A-A216-AE60904D26D0}" type="datetimeFigureOut">
               <a:rPr lang="en-US" smtClean="0"/>
-              <a:t>7/25/17</a:t>
+              <a:t>7/26/17</a:t>
             </a:fld>
             <a:endParaRPr lang="en-US"/>
           </a:p>
@@ -1620,7 +1718,7 @@
           <a:p>
             <a:fld id="{951F47FB-2FE5-224A-A216-AE60904D26D0}" type="datetimeFigureOut">
               <a:rPr lang="en-US" smtClean="0"/>
-              <a:t>7/25/17</a:t>
+              <a:t>7/26/17</a:t>
             </a:fld>
             <a:endParaRPr lang="en-US"/>
           </a:p>
@@ -1738,7 +1836,7 @@
           <a:p>
             <a:fld id="{951F47FB-2FE5-224A-A216-AE60904D26D0}" type="datetimeFigureOut">
               <a:rPr lang="en-US" smtClean="0"/>
-              <a:t>7/25/17</a:t>
+              <a:t>7/26/17</a:t>
             </a:fld>
             <a:endParaRPr lang="en-US"/>
           </a:p>
@@ -1833,7 +1931,7 @@
           <a:p>
             <a:fld id="{951F47FB-2FE5-224A-A216-AE60904D26D0}" type="datetimeFigureOut">
               <a:rPr lang="en-US" smtClean="0"/>
-              <a:t>7/25/17</a:t>
+              <a:t>7/26/17</a:t>
             </a:fld>
             <a:endParaRPr lang="en-US"/>
           </a:p>
@@ -2110,7 +2208,7 @@
           <a:p>
             <a:fld id="{951F47FB-2FE5-224A-A216-AE60904D26D0}" type="datetimeFigureOut">
               <a:rPr lang="en-US" smtClean="0"/>
-              <a:t>7/25/17</a:t>
+              <a:t>7/26/17</a:t>
             </a:fld>
             <a:endParaRPr lang="en-US"/>
           </a:p>
@@ -2363,7 +2461,7 @@
           <a:p>
             <a:fld id="{951F47FB-2FE5-224A-A216-AE60904D26D0}" type="datetimeFigureOut">
               <a:rPr lang="en-US" smtClean="0"/>
-              <a:t>7/25/17</a:t>
+              <a:t>7/26/17</a:t>
             </a:fld>
             <a:endParaRPr lang="en-US"/>
           </a:p>
@@ -2576,7 +2674,7 @@
           <a:p>
             <a:fld id="{951F47FB-2FE5-224A-A216-AE60904D26D0}" type="datetimeFigureOut">
               <a:rPr lang="en-US" smtClean="0"/>
-              <a:t>7/25/17</a:t>
+              <a:t>7/26/17</a:t>
             </a:fld>
             <a:endParaRPr lang="en-US"/>
           </a:p>
@@ -3072,7 +3170,7 @@
 </p:sld>
 </file>
 
-<file path=ppt/slides/slide2.xml><?xml version="1.0" encoding="utf-8"?>
+<file path=ppt/slides/slide10.xml><?xml version="1.0" encoding="utf-8"?>
 <p:sld xmlns:a="http://schemas.openxmlformats.org/drawingml/2006/main" xmlns:r="http://schemas.openxmlformats.org/officeDocument/2006/relationships" xmlns:p="http://schemas.openxmlformats.org/presentationml/2006/main">
   <p:cSld>
     <p:spTree>
@@ -3135,7 +3233,7 @@
         </p:nvSpPr>
         <p:spPr>
           <a:xfrm>
-            <a:off x="3759200" y="926420"/>
+            <a:off x="4028281" y="1361281"/>
             <a:ext cx="4135437" cy="4135437"/>
           </a:xfrm>
           <a:prstGeom prst="ellipse">
@@ -3170,7 +3268,1519 @@
     </p:spTree>
     <p:extLst>
       <p:ext uri="{BB962C8B-B14F-4D97-AF65-F5344CB8AC3E}">
+        <p14:creationId xmlns:p14="http://schemas.microsoft.com/office/powerpoint/2010/main" val="91463033"/>
+      </p:ext>
+    </p:extLst>
+  </p:cSld>
+  <p:clrMapOvr>
+    <a:masterClrMapping/>
+  </p:clrMapOvr>
+</p:sld>
+</file>
+
+<file path=ppt/slides/slide11.xml><?xml version="1.0" encoding="utf-8"?>
+<p:sld xmlns:a="http://schemas.openxmlformats.org/drawingml/2006/main" xmlns:r="http://schemas.openxmlformats.org/officeDocument/2006/relationships" xmlns:p="http://schemas.openxmlformats.org/presentationml/2006/main">
+  <p:cSld>
+    <p:spTree>
+      <p:nvGrpSpPr>
+        <p:cNvPr id="1" name=""/>
+        <p:cNvGrpSpPr/>
+        <p:nvPr/>
+      </p:nvGrpSpPr>
+      <p:grpSpPr>
+        <a:xfrm>
+          <a:off x="0" y="0"/>
+          <a:ext cx="0" cy="0"/>
+          <a:chOff x="0" y="0"/>
+          <a:chExt cx="0" cy="0"/>
+        </a:xfrm>
+      </p:grpSpPr>
+      <p:sp>
+        <p:nvSpPr>
+          <p:cNvPr id="2" name="Title 1"/>
+          <p:cNvSpPr>
+            <a:spLocks noGrp="1"/>
+          </p:cNvSpPr>
+          <p:nvPr>
+            <p:ph type="title"/>
+          </p:nvPr>
+        </p:nvSpPr>
+        <p:spPr/>
+        <p:txBody>
+          <a:bodyPr/>
+          <a:lstStyle/>
+          <a:p>
+            <a:endParaRPr lang="en-US"/>
+          </a:p>
+        </p:txBody>
+      </p:sp>
+      <p:sp>
+        <p:nvSpPr>
+          <p:cNvPr id="3" name="Content Placeholder 2"/>
+          <p:cNvSpPr>
+            <a:spLocks noGrp="1"/>
+          </p:cNvSpPr>
+          <p:nvPr>
+            <p:ph idx="1"/>
+          </p:nvPr>
+        </p:nvSpPr>
+        <p:spPr/>
+        <p:txBody>
+          <a:bodyPr/>
+          <a:lstStyle/>
+          <a:p>
+            <a:endParaRPr lang="en-US"/>
+          </a:p>
+        </p:txBody>
+      </p:sp>
+      <p:sp>
+        <p:nvSpPr>
+          <p:cNvPr id="4" name="Oval 3"/>
+          <p:cNvSpPr/>
+          <p:nvPr/>
+        </p:nvSpPr>
+        <p:spPr>
+          <a:xfrm>
+            <a:off x="4028281" y="1361281"/>
+            <a:ext cx="4135437" cy="4135437"/>
+          </a:xfrm>
+          <a:prstGeom prst="ellipse">
+            <a:avLst/>
+          </a:prstGeom>
+        </p:spPr>
+        <p:style>
+          <a:lnRef idx="2">
+            <a:schemeClr val="accent1">
+              <a:shade val="50000"/>
+            </a:schemeClr>
+          </a:lnRef>
+          <a:fillRef idx="1">
+            <a:schemeClr val="accent1"/>
+          </a:fillRef>
+          <a:effectRef idx="0">
+            <a:schemeClr val="accent1"/>
+          </a:effectRef>
+          <a:fontRef idx="minor">
+            <a:schemeClr val="lt1"/>
+          </a:fontRef>
+        </p:style>
+        <p:txBody>
+          <a:bodyPr rtlCol="0" anchor="ctr"/>
+          <a:lstStyle/>
+          <a:p>
+            <a:pPr algn="ctr"/>
+            <a:endParaRPr lang="en-US"/>
+          </a:p>
+        </p:txBody>
+      </p:sp>
+    </p:spTree>
+    <p:extLst>
+      <p:ext uri="{BB962C8B-B14F-4D97-AF65-F5344CB8AC3E}">
+        <p14:creationId xmlns:p14="http://schemas.microsoft.com/office/powerpoint/2010/main" val="1768388026"/>
+      </p:ext>
+    </p:extLst>
+  </p:cSld>
+  <p:clrMapOvr>
+    <a:masterClrMapping/>
+  </p:clrMapOvr>
+</p:sld>
+</file>
+
+<file path=ppt/slides/slide12.xml><?xml version="1.0" encoding="utf-8"?>
+<p:sld xmlns:a="http://schemas.openxmlformats.org/drawingml/2006/main" xmlns:r="http://schemas.openxmlformats.org/officeDocument/2006/relationships" xmlns:p="http://schemas.openxmlformats.org/presentationml/2006/main">
+  <p:cSld>
+    <p:spTree>
+      <p:nvGrpSpPr>
+        <p:cNvPr id="1" name=""/>
+        <p:cNvGrpSpPr/>
+        <p:nvPr/>
+      </p:nvGrpSpPr>
+      <p:grpSpPr>
+        <a:xfrm>
+          <a:off x="0" y="0"/>
+          <a:ext cx="0" cy="0"/>
+          <a:chOff x="0" y="0"/>
+          <a:chExt cx="0" cy="0"/>
+        </a:xfrm>
+      </p:grpSpPr>
+      <p:sp>
+        <p:nvSpPr>
+          <p:cNvPr id="2" name="Title 1"/>
+          <p:cNvSpPr>
+            <a:spLocks noGrp="1"/>
+          </p:cNvSpPr>
+          <p:nvPr>
+            <p:ph type="title"/>
+          </p:nvPr>
+        </p:nvSpPr>
+        <p:spPr/>
+        <p:txBody>
+          <a:bodyPr/>
+          <a:lstStyle/>
+          <a:p>
+            <a:endParaRPr lang="en-US"/>
+          </a:p>
+        </p:txBody>
+      </p:sp>
+      <p:sp>
+        <p:nvSpPr>
+          <p:cNvPr id="3" name="Content Placeholder 2"/>
+          <p:cNvSpPr>
+            <a:spLocks noGrp="1"/>
+          </p:cNvSpPr>
+          <p:nvPr>
+            <p:ph idx="1"/>
+          </p:nvPr>
+        </p:nvSpPr>
+        <p:spPr/>
+        <p:txBody>
+          <a:bodyPr/>
+          <a:lstStyle/>
+          <a:p>
+            <a:endParaRPr lang="en-US"/>
+          </a:p>
+        </p:txBody>
+      </p:sp>
+      <p:sp>
+        <p:nvSpPr>
+          <p:cNvPr id="4" name="Oval 3"/>
+          <p:cNvSpPr/>
+          <p:nvPr/>
+        </p:nvSpPr>
+        <p:spPr>
+          <a:xfrm>
+            <a:off x="4028281" y="1361281"/>
+            <a:ext cx="4135437" cy="4135437"/>
+          </a:xfrm>
+          <a:prstGeom prst="ellipse">
+            <a:avLst/>
+          </a:prstGeom>
+        </p:spPr>
+        <p:style>
+          <a:lnRef idx="2">
+            <a:schemeClr val="accent1">
+              <a:shade val="50000"/>
+            </a:schemeClr>
+          </a:lnRef>
+          <a:fillRef idx="1">
+            <a:schemeClr val="accent1"/>
+          </a:fillRef>
+          <a:effectRef idx="0">
+            <a:schemeClr val="accent1"/>
+          </a:effectRef>
+          <a:fontRef idx="minor">
+            <a:schemeClr val="lt1"/>
+          </a:fontRef>
+        </p:style>
+        <p:txBody>
+          <a:bodyPr rtlCol="0" anchor="ctr"/>
+          <a:lstStyle/>
+          <a:p>
+            <a:pPr algn="ctr"/>
+            <a:endParaRPr lang="en-US"/>
+          </a:p>
+        </p:txBody>
+      </p:sp>
+    </p:spTree>
+    <p:extLst>
+      <p:ext uri="{BB962C8B-B14F-4D97-AF65-F5344CB8AC3E}">
+        <p14:creationId xmlns:p14="http://schemas.microsoft.com/office/powerpoint/2010/main" val="123878502"/>
+      </p:ext>
+    </p:extLst>
+  </p:cSld>
+  <p:clrMapOvr>
+    <a:masterClrMapping/>
+  </p:clrMapOvr>
+</p:sld>
+</file>
+
+<file path=ppt/slides/slide13.xml><?xml version="1.0" encoding="utf-8"?>
+<p:sld xmlns:a="http://schemas.openxmlformats.org/drawingml/2006/main" xmlns:r="http://schemas.openxmlformats.org/officeDocument/2006/relationships" xmlns:p="http://schemas.openxmlformats.org/presentationml/2006/main">
+  <p:cSld>
+    <p:spTree>
+      <p:nvGrpSpPr>
+        <p:cNvPr id="1" name=""/>
+        <p:cNvGrpSpPr/>
+        <p:nvPr/>
+      </p:nvGrpSpPr>
+      <p:grpSpPr>
+        <a:xfrm>
+          <a:off x="0" y="0"/>
+          <a:ext cx="0" cy="0"/>
+          <a:chOff x="0" y="0"/>
+          <a:chExt cx="0" cy="0"/>
+        </a:xfrm>
+      </p:grpSpPr>
+      <p:sp>
+        <p:nvSpPr>
+          <p:cNvPr id="2" name="Title 1"/>
+          <p:cNvSpPr>
+            <a:spLocks noGrp="1"/>
+          </p:cNvSpPr>
+          <p:nvPr>
+            <p:ph type="title"/>
+          </p:nvPr>
+        </p:nvSpPr>
+        <p:spPr/>
+        <p:txBody>
+          <a:bodyPr/>
+          <a:lstStyle/>
+          <a:p>
+            <a:endParaRPr lang="en-US"/>
+          </a:p>
+        </p:txBody>
+      </p:sp>
+      <p:sp>
+        <p:nvSpPr>
+          <p:cNvPr id="3" name="Content Placeholder 2"/>
+          <p:cNvSpPr>
+            <a:spLocks noGrp="1"/>
+          </p:cNvSpPr>
+          <p:nvPr>
+            <p:ph idx="1"/>
+          </p:nvPr>
+        </p:nvSpPr>
+        <p:spPr/>
+        <p:txBody>
+          <a:bodyPr/>
+          <a:lstStyle/>
+          <a:p>
+            <a:endParaRPr lang="en-US"/>
+          </a:p>
+        </p:txBody>
+      </p:sp>
+      <p:sp>
+        <p:nvSpPr>
+          <p:cNvPr id="4" name="Oval 3"/>
+          <p:cNvSpPr/>
+          <p:nvPr/>
+        </p:nvSpPr>
+        <p:spPr>
+          <a:xfrm>
+            <a:off x="4028281" y="1361281"/>
+            <a:ext cx="4135437" cy="4135437"/>
+          </a:xfrm>
+          <a:prstGeom prst="ellipse">
+            <a:avLst/>
+          </a:prstGeom>
+        </p:spPr>
+        <p:style>
+          <a:lnRef idx="2">
+            <a:schemeClr val="accent1">
+              <a:shade val="50000"/>
+            </a:schemeClr>
+          </a:lnRef>
+          <a:fillRef idx="1">
+            <a:schemeClr val="accent1"/>
+          </a:fillRef>
+          <a:effectRef idx="0">
+            <a:schemeClr val="accent1"/>
+          </a:effectRef>
+          <a:fontRef idx="minor">
+            <a:schemeClr val="lt1"/>
+          </a:fontRef>
+        </p:style>
+        <p:txBody>
+          <a:bodyPr rtlCol="0" anchor="ctr"/>
+          <a:lstStyle/>
+          <a:p>
+            <a:pPr algn="ctr"/>
+            <a:endParaRPr lang="en-US"/>
+          </a:p>
+        </p:txBody>
+      </p:sp>
+    </p:spTree>
+    <p:extLst>
+      <p:ext uri="{BB962C8B-B14F-4D97-AF65-F5344CB8AC3E}">
+        <p14:creationId xmlns:p14="http://schemas.microsoft.com/office/powerpoint/2010/main" val="1114329171"/>
+      </p:ext>
+    </p:extLst>
+  </p:cSld>
+  <p:clrMapOvr>
+    <a:masterClrMapping/>
+  </p:clrMapOvr>
+</p:sld>
+</file>
+
+<file path=ppt/slides/slide14.xml><?xml version="1.0" encoding="utf-8"?>
+<p:sld xmlns:a="http://schemas.openxmlformats.org/drawingml/2006/main" xmlns:r="http://schemas.openxmlformats.org/officeDocument/2006/relationships" xmlns:p="http://schemas.openxmlformats.org/presentationml/2006/main">
+  <p:cSld>
+    <p:spTree>
+      <p:nvGrpSpPr>
+        <p:cNvPr id="1" name=""/>
+        <p:cNvGrpSpPr/>
+        <p:nvPr/>
+      </p:nvGrpSpPr>
+      <p:grpSpPr>
+        <a:xfrm>
+          <a:off x="0" y="0"/>
+          <a:ext cx="0" cy="0"/>
+          <a:chOff x="0" y="0"/>
+          <a:chExt cx="0" cy="0"/>
+        </a:xfrm>
+      </p:grpSpPr>
+      <p:sp>
+        <p:nvSpPr>
+          <p:cNvPr id="2" name="Title 1"/>
+          <p:cNvSpPr>
+            <a:spLocks noGrp="1"/>
+          </p:cNvSpPr>
+          <p:nvPr>
+            <p:ph type="title"/>
+          </p:nvPr>
+        </p:nvSpPr>
+        <p:spPr/>
+        <p:txBody>
+          <a:bodyPr/>
+          <a:lstStyle/>
+          <a:p>
+            <a:endParaRPr lang="en-US"/>
+          </a:p>
+        </p:txBody>
+      </p:sp>
+      <p:sp>
+        <p:nvSpPr>
+          <p:cNvPr id="3" name="Content Placeholder 2"/>
+          <p:cNvSpPr>
+            <a:spLocks noGrp="1"/>
+          </p:cNvSpPr>
+          <p:nvPr>
+            <p:ph idx="1"/>
+          </p:nvPr>
+        </p:nvSpPr>
+        <p:spPr/>
+        <p:txBody>
+          <a:bodyPr/>
+          <a:lstStyle/>
+          <a:p>
+            <a:endParaRPr lang="en-US"/>
+          </a:p>
+        </p:txBody>
+      </p:sp>
+      <p:sp>
+        <p:nvSpPr>
+          <p:cNvPr id="4" name="Oval 3"/>
+          <p:cNvSpPr/>
+          <p:nvPr/>
+        </p:nvSpPr>
+        <p:spPr>
+          <a:xfrm>
+            <a:off x="4028281" y="1361281"/>
+            <a:ext cx="4135437" cy="4135437"/>
+          </a:xfrm>
+          <a:prstGeom prst="ellipse">
+            <a:avLst/>
+          </a:prstGeom>
+        </p:spPr>
+        <p:style>
+          <a:lnRef idx="2">
+            <a:schemeClr val="accent1">
+              <a:shade val="50000"/>
+            </a:schemeClr>
+          </a:lnRef>
+          <a:fillRef idx="1">
+            <a:schemeClr val="accent1"/>
+          </a:fillRef>
+          <a:effectRef idx="0">
+            <a:schemeClr val="accent1"/>
+          </a:effectRef>
+          <a:fontRef idx="minor">
+            <a:schemeClr val="lt1"/>
+          </a:fontRef>
+        </p:style>
+        <p:txBody>
+          <a:bodyPr rtlCol="0" anchor="ctr"/>
+          <a:lstStyle/>
+          <a:p>
+            <a:pPr algn="ctr"/>
+            <a:endParaRPr lang="en-US"/>
+          </a:p>
+        </p:txBody>
+      </p:sp>
+    </p:spTree>
+    <p:extLst>
+      <p:ext uri="{BB962C8B-B14F-4D97-AF65-F5344CB8AC3E}">
+        <p14:creationId xmlns:p14="http://schemas.microsoft.com/office/powerpoint/2010/main" val="325491510"/>
+      </p:ext>
+    </p:extLst>
+  </p:cSld>
+  <p:clrMapOvr>
+    <a:masterClrMapping/>
+  </p:clrMapOvr>
+</p:sld>
+</file>
+
+<file path=ppt/slides/slide15.xml><?xml version="1.0" encoding="utf-8"?>
+<p:sld xmlns:a="http://schemas.openxmlformats.org/drawingml/2006/main" xmlns:r="http://schemas.openxmlformats.org/officeDocument/2006/relationships" xmlns:p="http://schemas.openxmlformats.org/presentationml/2006/main">
+  <p:cSld>
+    <p:spTree>
+      <p:nvGrpSpPr>
+        <p:cNvPr id="1" name=""/>
+        <p:cNvGrpSpPr/>
+        <p:nvPr/>
+      </p:nvGrpSpPr>
+      <p:grpSpPr>
+        <a:xfrm>
+          <a:off x="0" y="0"/>
+          <a:ext cx="0" cy="0"/>
+          <a:chOff x="0" y="0"/>
+          <a:chExt cx="0" cy="0"/>
+        </a:xfrm>
+      </p:grpSpPr>
+      <p:sp>
+        <p:nvSpPr>
+          <p:cNvPr id="2" name="Title 1"/>
+          <p:cNvSpPr>
+            <a:spLocks noGrp="1"/>
+          </p:cNvSpPr>
+          <p:nvPr>
+            <p:ph type="title"/>
+          </p:nvPr>
+        </p:nvSpPr>
+        <p:spPr/>
+        <p:txBody>
+          <a:bodyPr/>
+          <a:lstStyle/>
+          <a:p>
+            <a:endParaRPr lang="en-US"/>
+          </a:p>
+        </p:txBody>
+      </p:sp>
+      <p:sp>
+        <p:nvSpPr>
+          <p:cNvPr id="3" name="Content Placeholder 2"/>
+          <p:cNvSpPr>
+            <a:spLocks noGrp="1"/>
+          </p:cNvSpPr>
+          <p:nvPr>
+            <p:ph idx="1"/>
+          </p:nvPr>
+        </p:nvSpPr>
+        <p:spPr/>
+        <p:txBody>
+          <a:bodyPr/>
+          <a:lstStyle/>
+          <a:p>
+            <a:endParaRPr lang="en-US"/>
+          </a:p>
+        </p:txBody>
+      </p:sp>
+      <p:sp>
+        <p:nvSpPr>
+          <p:cNvPr id="4" name="Oval 3"/>
+          <p:cNvSpPr/>
+          <p:nvPr/>
+        </p:nvSpPr>
+        <p:spPr>
+          <a:xfrm>
+            <a:off x="4028281" y="1361281"/>
+            <a:ext cx="4135437" cy="4135437"/>
+          </a:xfrm>
+          <a:prstGeom prst="ellipse">
+            <a:avLst/>
+          </a:prstGeom>
+        </p:spPr>
+        <p:style>
+          <a:lnRef idx="2">
+            <a:schemeClr val="accent1">
+              <a:shade val="50000"/>
+            </a:schemeClr>
+          </a:lnRef>
+          <a:fillRef idx="1">
+            <a:schemeClr val="accent1"/>
+          </a:fillRef>
+          <a:effectRef idx="0">
+            <a:schemeClr val="accent1"/>
+          </a:effectRef>
+          <a:fontRef idx="minor">
+            <a:schemeClr val="lt1"/>
+          </a:fontRef>
+        </p:style>
+        <p:txBody>
+          <a:bodyPr rtlCol="0" anchor="ctr"/>
+          <a:lstStyle/>
+          <a:p>
+            <a:pPr algn="ctr"/>
+            <a:endParaRPr lang="en-US"/>
+          </a:p>
+        </p:txBody>
+      </p:sp>
+    </p:spTree>
+    <p:extLst>
+      <p:ext uri="{BB962C8B-B14F-4D97-AF65-F5344CB8AC3E}">
+        <p14:creationId xmlns:p14="http://schemas.microsoft.com/office/powerpoint/2010/main" val="894959661"/>
+      </p:ext>
+    </p:extLst>
+  </p:cSld>
+  <p:clrMapOvr>
+    <a:masterClrMapping/>
+  </p:clrMapOvr>
+</p:sld>
+</file>
+
+<file path=ppt/slides/slide16.xml><?xml version="1.0" encoding="utf-8"?>
+<p:sld xmlns:a="http://schemas.openxmlformats.org/drawingml/2006/main" xmlns:r="http://schemas.openxmlformats.org/officeDocument/2006/relationships" xmlns:p="http://schemas.openxmlformats.org/presentationml/2006/main">
+  <p:cSld>
+    <p:spTree>
+      <p:nvGrpSpPr>
+        <p:cNvPr id="1" name=""/>
+        <p:cNvGrpSpPr/>
+        <p:nvPr/>
+      </p:nvGrpSpPr>
+      <p:grpSpPr>
+        <a:xfrm>
+          <a:off x="0" y="0"/>
+          <a:ext cx="0" cy="0"/>
+          <a:chOff x="0" y="0"/>
+          <a:chExt cx="0" cy="0"/>
+        </a:xfrm>
+      </p:grpSpPr>
+      <p:sp>
+        <p:nvSpPr>
+          <p:cNvPr id="2" name="Title 1"/>
+          <p:cNvSpPr>
+            <a:spLocks noGrp="1"/>
+          </p:cNvSpPr>
+          <p:nvPr>
+            <p:ph type="title"/>
+          </p:nvPr>
+        </p:nvSpPr>
+        <p:spPr/>
+        <p:txBody>
+          <a:bodyPr/>
+          <a:lstStyle/>
+          <a:p>
+            <a:endParaRPr lang="en-US"/>
+          </a:p>
+        </p:txBody>
+      </p:sp>
+      <p:sp>
+        <p:nvSpPr>
+          <p:cNvPr id="3" name="Content Placeholder 2"/>
+          <p:cNvSpPr>
+            <a:spLocks noGrp="1"/>
+          </p:cNvSpPr>
+          <p:nvPr>
+            <p:ph idx="1"/>
+          </p:nvPr>
+        </p:nvSpPr>
+        <p:spPr/>
+        <p:txBody>
+          <a:bodyPr/>
+          <a:lstStyle/>
+          <a:p>
+            <a:endParaRPr lang="en-US"/>
+          </a:p>
+        </p:txBody>
+      </p:sp>
+      <p:sp>
+        <p:nvSpPr>
+          <p:cNvPr id="4" name="Oval 3"/>
+          <p:cNvSpPr/>
+          <p:nvPr/>
+        </p:nvSpPr>
+        <p:spPr>
+          <a:xfrm>
+            <a:off x="4028281" y="1361281"/>
+            <a:ext cx="4135437" cy="4135437"/>
+          </a:xfrm>
+          <a:prstGeom prst="ellipse">
+            <a:avLst/>
+          </a:prstGeom>
+        </p:spPr>
+        <p:style>
+          <a:lnRef idx="2">
+            <a:schemeClr val="accent1">
+              <a:shade val="50000"/>
+            </a:schemeClr>
+          </a:lnRef>
+          <a:fillRef idx="1">
+            <a:schemeClr val="accent1"/>
+          </a:fillRef>
+          <a:effectRef idx="0">
+            <a:schemeClr val="accent1"/>
+          </a:effectRef>
+          <a:fontRef idx="minor">
+            <a:schemeClr val="lt1"/>
+          </a:fontRef>
+        </p:style>
+        <p:txBody>
+          <a:bodyPr rtlCol="0" anchor="ctr"/>
+          <a:lstStyle/>
+          <a:p>
+            <a:pPr algn="ctr"/>
+            <a:endParaRPr lang="en-US"/>
+          </a:p>
+        </p:txBody>
+      </p:sp>
+    </p:spTree>
+    <p:extLst>
+      <p:ext uri="{BB962C8B-B14F-4D97-AF65-F5344CB8AC3E}">
+        <p14:creationId xmlns:p14="http://schemas.microsoft.com/office/powerpoint/2010/main" val="611558839"/>
+      </p:ext>
+    </p:extLst>
+  </p:cSld>
+  <p:clrMapOvr>
+    <a:masterClrMapping/>
+  </p:clrMapOvr>
+</p:sld>
+</file>
+
+<file path=ppt/slides/slide2.xml><?xml version="1.0" encoding="utf-8"?>
+<p:sld xmlns:a="http://schemas.openxmlformats.org/drawingml/2006/main" xmlns:r="http://schemas.openxmlformats.org/officeDocument/2006/relationships" xmlns:p="http://schemas.openxmlformats.org/presentationml/2006/main">
+  <p:cSld>
+    <p:spTree>
+      <p:nvGrpSpPr>
+        <p:cNvPr id="1" name=""/>
+        <p:cNvGrpSpPr/>
+        <p:nvPr/>
+      </p:nvGrpSpPr>
+      <p:grpSpPr>
+        <a:xfrm>
+          <a:off x="0" y="0"/>
+          <a:ext cx="0" cy="0"/>
+          <a:chOff x="0" y="0"/>
+          <a:chExt cx="0" cy="0"/>
+        </a:xfrm>
+      </p:grpSpPr>
+      <p:sp>
+        <p:nvSpPr>
+          <p:cNvPr id="2" name="Title 1"/>
+          <p:cNvSpPr>
+            <a:spLocks noGrp="1"/>
+          </p:cNvSpPr>
+          <p:nvPr>
+            <p:ph type="title"/>
+          </p:nvPr>
+        </p:nvSpPr>
+        <p:spPr/>
+        <p:txBody>
+          <a:bodyPr/>
+          <a:lstStyle/>
+          <a:p>
+            <a:endParaRPr lang="en-US"/>
+          </a:p>
+        </p:txBody>
+      </p:sp>
+      <p:sp>
+        <p:nvSpPr>
+          <p:cNvPr id="3" name="Content Placeholder 2"/>
+          <p:cNvSpPr>
+            <a:spLocks noGrp="1"/>
+          </p:cNvSpPr>
+          <p:nvPr>
+            <p:ph idx="1"/>
+          </p:nvPr>
+        </p:nvSpPr>
+        <p:spPr/>
+        <p:txBody>
+          <a:bodyPr/>
+          <a:lstStyle/>
+          <a:p>
+            <a:endParaRPr lang="en-US"/>
+          </a:p>
+        </p:txBody>
+      </p:sp>
+      <p:sp>
+        <p:nvSpPr>
+          <p:cNvPr id="4" name="Oval 3"/>
+          <p:cNvSpPr/>
+          <p:nvPr/>
+        </p:nvSpPr>
+        <p:spPr>
+          <a:xfrm>
+            <a:off x="4028281" y="1361281"/>
+            <a:ext cx="4135437" cy="4135437"/>
+          </a:xfrm>
+          <a:prstGeom prst="ellipse">
+            <a:avLst/>
+          </a:prstGeom>
+        </p:spPr>
+        <p:style>
+          <a:lnRef idx="2">
+            <a:schemeClr val="accent1">
+              <a:shade val="50000"/>
+            </a:schemeClr>
+          </a:lnRef>
+          <a:fillRef idx="1">
+            <a:schemeClr val="accent1"/>
+          </a:fillRef>
+          <a:effectRef idx="0">
+            <a:schemeClr val="accent1"/>
+          </a:effectRef>
+          <a:fontRef idx="minor">
+            <a:schemeClr val="lt1"/>
+          </a:fontRef>
+        </p:style>
+        <p:txBody>
+          <a:bodyPr rtlCol="0" anchor="ctr"/>
+          <a:lstStyle/>
+          <a:p>
+            <a:pPr algn="ctr"/>
+            <a:endParaRPr lang="en-US"/>
+          </a:p>
+        </p:txBody>
+      </p:sp>
+    </p:spTree>
+    <p:extLst>
+      <p:ext uri="{BB962C8B-B14F-4D97-AF65-F5344CB8AC3E}">
         <p14:creationId xmlns:p14="http://schemas.microsoft.com/office/powerpoint/2010/main" val="1682387527"/>
+      </p:ext>
+    </p:extLst>
+  </p:cSld>
+  <p:clrMapOvr>
+    <a:masterClrMapping/>
+  </p:clrMapOvr>
+</p:sld>
+</file>
+
+<file path=ppt/slides/slide3.xml><?xml version="1.0" encoding="utf-8"?>
+<p:sld xmlns:a="http://schemas.openxmlformats.org/drawingml/2006/main" xmlns:r="http://schemas.openxmlformats.org/officeDocument/2006/relationships" xmlns:p="http://schemas.openxmlformats.org/presentationml/2006/main">
+  <p:cSld>
+    <p:spTree>
+      <p:nvGrpSpPr>
+        <p:cNvPr id="1" name=""/>
+        <p:cNvGrpSpPr/>
+        <p:nvPr/>
+      </p:nvGrpSpPr>
+      <p:grpSpPr>
+        <a:xfrm>
+          <a:off x="0" y="0"/>
+          <a:ext cx="0" cy="0"/>
+          <a:chOff x="0" y="0"/>
+          <a:chExt cx="0" cy="0"/>
+        </a:xfrm>
+      </p:grpSpPr>
+      <p:sp>
+        <p:nvSpPr>
+          <p:cNvPr id="2" name="Title 1"/>
+          <p:cNvSpPr>
+            <a:spLocks noGrp="1"/>
+          </p:cNvSpPr>
+          <p:nvPr>
+            <p:ph type="title"/>
+          </p:nvPr>
+        </p:nvSpPr>
+        <p:spPr/>
+        <p:txBody>
+          <a:bodyPr/>
+          <a:lstStyle/>
+          <a:p>
+            <a:endParaRPr lang="en-US"/>
+          </a:p>
+        </p:txBody>
+      </p:sp>
+      <p:sp>
+        <p:nvSpPr>
+          <p:cNvPr id="3" name="Content Placeholder 2"/>
+          <p:cNvSpPr>
+            <a:spLocks noGrp="1"/>
+          </p:cNvSpPr>
+          <p:nvPr>
+            <p:ph idx="1"/>
+          </p:nvPr>
+        </p:nvSpPr>
+        <p:spPr/>
+        <p:txBody>
+          <a:bodyPr/>
+          <a:lstStyle/>
+          <a:p>
+            <a:endParaRPr lang="en-US"/>
+          </a:p>
+        </p:txBody>
+      </p:sp>
+      <p:sp>
+        <p:nvSpPr>
+          <p:cNvPr id="4" name="Oval 3"/>
+          <p:cNvSpPr/>
+          <p:nvPr/>
+        </p:nvSpPr>
+        <p:spPr>
+          <a:xfrm>
+            <a:off x="4028281" y="1361281"/>
+            <a:ext cx="4135437" cy="4135437"/>
+          </a:xfrm>
+          <a:prstGeom prst="ellipse">
+            <a:avLst/>
+          </a:prstGeom>
+        </p:spPr>
+        <p:style>
+          <a:lnRef idx="2">
+            <a:schemeClr val="accent1">
+              <a:shade val="50000"/>
+            </a:schemeClr>
+          </a:lnRef>
+          <a:fillRef idx="1">
+            <a:schemeClr val="accent1"/>
+          </a:fillRef>
+          <a:effectRef idx="0">
+            <a:schemeClr val="accent1"/>
+          </a:effectRef>
+          <a:fontRef idx="minor">
+            <a:schemeClr val="lt1"/>
+          </a:fontRef>
+        </p:style>
+        <p:txBody>
+          <a:bodyPr rtlCol="0" anchor="ctr"/>
+          <a:lstStyle/>
+          <a:p>
+            <a:pPr algn="ctr"/>
+            <a:endParaRPr lang="en-US"/>
+          </a:p>
+        </p:txBody>
+      </p:sp>
+    </p:spTree>
+    <p:extLst>
+      <p:ext uri="{BB962C8B-B14F-4D97-AF65-F5344CB8AC3E}">
+        <p14:creationId xmlns:p14="http://schemas.microsoft.com/office/powerpoint/2010/main" val="563579920"/>
+      </p:ext>
+    </p:extLst>
+  </p:cSld>
+  <p:clrMapOvr>
+    <a:masterClrMapping/>
+  </p:clrMapOvr>
+</p:sld>
+</file>
+
+<file path=ppt/slides/slide4.xml><?xml version="1.0" encoding="utf-8"?>
+<p:sld xmlns:a="http://schemas.openxmlformats.org/drawingml/2006/main" xmlns:r="http://schemas.openxmlformats.org/officeDocument/2006/relationships" xmlns:p="http://schemas.openxmlformats.org/presentationml/2006/main">
+  <p:cSld>
+    <p:spTree>
+      <p:nvGrpSpPr>
+        <p:cNvPr id="1" name=""/>
+        <p:cNvGrpSpPr/>
+        <p:nvPr/>
+      </p:nvGrpSpPr>
+      <p:grpSpPr>
+        <a:xfrm>
+          <a:off x="0" y="0"/>
+          <a:ext cx="0" cy="0"/>
+          <a:chOff x="0" y="0"/>
+          <a:chExt cx="0" cy="0"/>
+        </a:xfrm>
+      </p:grpSpPr>
+      <p:sp>
+        <p:nvSpPr>
+          <p:cNvPr id="2" name="Title 1"/>
+          <p:cNvSpPr>
+            <a:spLocks noGrp="1"/>
+          </p:cNvSpPr>
+          <p:nvPr>
+            <p:ph type="title"/>
+          </p:nvPr>
+        </p:nvSpPr>
+        <p:spPr/>
+        <p:txBody>
+          <a:bodyPr/>
+          <a:lstStyle/>
+          <a:p>
+            <a:endParaRPr lang="en-US"/>
+          </a:p>
+        </p:txBody>
+      </p:sp>
+      <p:sp>
+        <p:nvSpPr>
+          <p:cNvPr id="3" name="Content Placeholder 2"/>
+          <p:cNvSpPr>
+            <a:spLocks noGrp="1"/>
+          </p:cNvSpPr>
+          <p:nvPr>
+            <p:ph idx="1"/>
+          </p:nvPr>
+        </p:nvSpPr>
+        <p:spPr/>
+        <p:txBody>
+          <a:bodyPr/>
+          <a:lstStyle/>
+          <a:p>
+            <a:endParaRPr lang="en-US"/>
+          </a:p>
+        </p:txBody>
+      </p:sp>
+      <p:sp>
+        <p:nvSpPr>
+          <p:cNvPr id="4" name="Oval 3"/>
+          <p:cNvSpPr/>
+          <p:nvPr/>
+        </p:nvSpPr>
+        <p:spPr>
+          <a:xfrm>
+            <a:off x="4028281" y="1361281"/>
+            <a:ext cx="4135437" cy="4135437"/>
+          </a:xfrm>
+          <a:prstGeom prst="ellipse">
+            <a:avLst/>
+          </a:prstGeom>
+        </p:spPr>
+        <p:style>
+          <a:lnRef idx="2">
+            <a:schemeClr val="accent1">
+              <a:shade val="50000"/>
+            </a:schemeClr>
+          </a:lnRef>
+          <a:fillRef idx="1">
+            <a:schemeClr val="accent1"/>
+          </a:fillRef>
+          <a:effectRef idx="0">
+            <a:schemeClr val="accent1"/>
+          </a:effectRef>
+          <a:fontRef idx="minor">
+            <a:schemeClr val="lt1"/>
+          </a:fontRef>
+        </p:style>
+        <p:txBody>
+          <a:bodyPr rtlCol="0" anchor="ctr"/>
+          <a:lstStyle/>
+          <a:p>
+            <a:pPr algn="ctr"/>
+            <a:endParaRPr lang="en-US"/>
+          </a:p>
+        </p:txBody>
+      </p:sp>
+    </p:spTree>
+    <p:extLst>
+      <p:ext uri="{BB962C8B-B14F-4D97-AF65-F5344CB8AC3E}">
+        <p14:creationId xmlns:p14="http://schemas.microsoft.com/office/powerpoint/2010/main" val="1684832170"/>
+      </p:ext>
+    </p:extLst>
+  </p:cSld>
+  <p:clrMapOvr>
+    <a:masterClrMapping/>
+  </p:clrMapOvr>
+</p:sld>
+</file>
+
+<file path=ppt/slides/slide5.xml><?xml version="1.0" encoding="utf-8"?>
+<p:sld xmlns:a="http://schemas.openxmlformats.org/drawingml/2006/main" xmlns:r="http://schemas.openxmlformats.org/officeDocument/2006/relationships" xmlns:p="http://schemas.openxmlformats.org/presentationml/2006/main">
+  <p:cSld>
+    <p:spTree>
+      <p:nvGrpSpPr>
+        <p:cNvPr id="1" name=""/>
+        <p:cNvGrpSpPr/>
+        <p:nvPr/>
+      </p:nvGrpSpPr>
+      <p:grpSpPr>
+        <a:xfrm>
+          <a:off x="0" y="0"/>
+          <a:ext cx="0" cy="0"/>
+          <a:chOff x="0" y="0"/>
+          <a:chExt cx="0" cy="0"/>
+        </a:xfrm>
+      </p:grpSpPr>
+      <p:sp>
+        <p:nvSpPr>
+          <p:cNvPr id="2" name="Title 1"/>
+          <p:cNvSpPr>
+            <a:spLocks noGrp="1"/>
+          </p:cNvSpPr>
+          <p:nvPr>
+            <p:ph type="title"/>
+          </p:nvPr>
+        </p:nvSpPr>
+        <p:spPr/>
+        <p:txBody>
+          <a:bodyPr/>
+          <a:lstStyle/>
+          <a:p>
+            <a:endParaRPr lang="en-US"/>
+          </a:p>
+        </p:txBody>
+      </p:sp>
+      <p:sp>
+        <p:nvSpPr>
+          <p:cNvPr id="3" name="Content Placeholder 2"/>
+          <p:cNvSpPr>
+            <a:spLocks noGrp="1"/>
+          </p:cNvSpPr>
+          <p:nvPr>
+            <p:ph idx="1"/>
+          </p:nvPr>
+        </p:nvSpPr>
+        <p:spPr/>
+        <p:txBody>
+          <a:bodyPr/>
+          <a:lstStyle/>
+          <a:p>
+            <a:endParaRPr lang="en-US"/>
+          </a:p>
+        </p:txBody>
+      </p:sp>
+      <p:sp>
+        <p:nvSpPr>
+          <p:cNvPr id="4" name="Oval 3"/>
+          <p:cNvSpPr/>
+          <p:nvPr/>
+        </p:nvSpPr>
+        <p:spPr>
+          <a:xfrm>
+            <a:off x="4028281" y="1361281"/>
+            <a:ext cx="4135437" cy="4135437"/>
+          </a:xfrm>
+          <a:prstGeom prst="ellipse">
+            <a:avLst/>
+          </a:prstGeom>
+        </p:spPr>
+        <p:style>
+          <a:lnRef idx="2">
+            <a:schemeClr val="accent1">
+              <a:shade val="50000"/>
+            </a:schemeClr>
+          </a:lnRef>
+          <a:fillRef idx="1">
+            <a:schemeClr val="accent1"/>
+          </a:fillRef>
+          <a:effectRef idx="0">
+            <a:schemeClr val="accent1"/>
+          </a:effectRef>
+          <a:fontRef idx="minor">
+            <a:schemeClr val="lt1"/>
+          </a:fontRef>
+        </p:style>
+        <p:txBody>
+          <a:bodyPr rtlCol="0" anchor="ctr"/>
+          <a:lstStyle/>
+          <a:p>
+            <a:pPr algn="ctr"/>
+            <a:endParaRPr lang="en-US"/>
+          </a:p>
+        </p:txBody>
+      </p:sp>
+    </p:spTree>
+    <p:extLst>
+      <p:ext uri="{BB962C8B-B14F-4D97-AF65-F5344CB8AC3E}">
+        <p14:creationId xmlns:p14="http://schemas.microsoft.com/office/powerpoint/2010/main" val="254911848"/>
+      </p:ext>
+    </p:extLst>
+  </p:cSld>
+  <p:clrMapOvr>
+    <a:masterClrMapping/>
+  </p:clrMapOvr>
+</p:sld>
+</file>
+
+<file path=ppt/slides/slide6.xml><?xml version="1.0" encoding="utf-8"?>
+<p:sld xmlns:a="http://schemas.openxmlformats.org/drawingml/2006/main" xmlns:r="http://schemas.openxmlformats.org/officeDocument/2006/relationships" xmlns:p="http://schemas.openxmlformats.org/presentationml/2006/main">
+  <p:cSld>
+    <p:spTree>
+      <p:nvGrpSpPr>
+        <p:cNvPr id="1" name=""/>
+        <p:cNvGrpSpPr/>
+        <p:nvPr/>
+      </p:nvGrpSpPr>
+      <p:grpSpPr>
+        <a:xfrm>
+          <a:off x="0" y="0"/>
+          <a:ext cx="0" cy="0"/>
+          <a:chOff x="0" y="0"/>
+          <a:chExt cx="0" cy="0"/>
+        </a:xfrm>
+      </p:grpSpPr>
+      <p:sp>
+        <p:nvSpPr>
+          <p:cNvPr id="2" name="Title 1"/>
+          <p:cNvSpPr>
+            <a:spLocks noGrp="1"/>
+          </p:cNvSpPr>
+          <p:nvPr>
+            <p:ph type="title"/>
+          </p:nvPr>
+        </p:nvSpPr>
+        <p:spPr/>
+        <p:txBody>
+          <a:bodyPr/>
+          <a:lstStyle/>
+          <a:p>
+            <a:endParaRPr lang="en-US"/>
+          </a:p>
+        </p:txBody>
+      </p:sp>
+      <p:sp>
+        <p:nvSpPr>
+          <p:cNvPr id="3" name="Content Placeholder 2"/>
+          <p:cNvSpPr>
+            <a:spLocks noGrp="1"/>
+          </p:cNvSpPr>
+          <p:nvPr>
+            <p:ph idx="1"/>
+          </p:nvPr>
+        </p:nvSpPr>
+        <p:spPr/>
+        <p:txBody>
+          <a:bodyPr/>
+          <a:lstStyle/>
+          <a:p>
+            <a:endParaRPr lang="en-US"/>
+          </a:p>
+        </p:txBody>
+      </p:sp>
+      <p:sp>
+        <p:nvSpPr>
+          <p:cNvPr id="4" name="Oval 3"/>
+          <p:cNvSpPr/>
+          <p:nvPr/>
+        </p:nvSpPr>
+        <p:spPr>
+          <a:xfrm>
+            <a:off x="4028281" y="1361281"/>
+            <a:ext cx="4135437" cy="4135437"/>
+          </a:xfrm>
+          <a:prstGeom prst="ellipse">
+            <a:avLst/>
+          </a:prstGeom>
+        </p:spPr>
+        <p:style>
+          <a:lnRef idx="2">
+            <a:schemeClr val="accent1">
+              <a:shade val="50000"/>
+            </a:schemeClr>
+          </a:lnRef>
+          <a:fillRef idx="1">
+            <a:schemeClr val="accent1"/>
+          </a:fillRef>
+          <a:effectRef idx="0">
+            <a:schemeClr val="accent1"/>
+          </a:effectRef>
+          <a:fontRef idx="minor">
+            <a:schemeClr val="lt1"/>
+          </a:fontRef>
+        </p:style>
+        <p:txBody>
+          <a:bodyPr rtlCol="0" anchor="ctr"/>
+          <a:lstStyle/>
+          <a:p>
+            <a:pPr algn="ctr"/>
+            <a:endParaRPr lang="en-US"/>
+          </a:p>
+        </p:txBody>
+      </p:sp>
+    </p:spTree>
+    <p:extLst>
+      <p:ext uri="{BB962C8B-B14F-4D97-AF65-F5344CB8AC3E}">
+        <p14:creationId xmlns:p14="http://schemas.microsoft.com/office/powerpoint/2010/main" val="73553571"/>
+      </p:ext>
+    </p:extLst>
+  </p:cSld>
+  <p:clrMapOvr>
+    <a:masterClrMapping/>
+  </p:clrMapOvr>
+</p:sld>
+</file>
+
+<file path=ppt/slides/slide7.xml><?xml version="1.0" encoding="utf-8"?>
+<p:sld xmlns:a="http://schemas.openxmlformats.org/drawingml/2006/main" xmlns:r="http://schemas.openxmlformats.org/officeDocument/2006/relationships" xmlns:p="http://schemas.openxmlformats.org/presentationml/2006/main">
+  <p:cSld>
+    <p:spTree>
+      <p:nvGrpSpPr>
+        <p:cNvPr id="1" name=""/>
+        <p:cNvGrpSpPr/>
+        <p:nvPr/>
+      </p:nvGrpSpPr>
+      <p:grpSpPr>
+        <a:xfrm>
+          <a:off x="0" y="0"/>
+          <a:ext cx="0" cy="0"/>
+          <a:chOff x="0" y="0"/>
+          <a:chExt cx="0" cy="0"/>
+        </a:xfrm>
+      </p:grpSpPr>
+      <p:sp>
+        <p:nvSpPr>
+          <p:cNvPr id="2" name="Title 1"/>
+          <p:cNvSpPr>
+            <a:spLocks noGrp="1"/>
+          </p:cNvSpPr>
+          <p:nvPr>
+            <p:ph type="title"/>
+          </p:nvPr>
+        </p:nvSpPr>
+        <p:spPr/>
+        <p:txBody>
+          <a:bodyPr/>
+          <a:lstStyle/>
+          <a:p>
+            <a:endParaRPr lang="en-US"/>
+          </a:p>
+        </p:txBody>
+      </p:sp>
+      <p:sp>
+        <p:nvSpPr>
+          <p:cNvPr id="3" name="Content Placeholder 2"/>
+          <p:cNvSpPr>
+            <a:spLocks noGrp="1"/>
+          </p:cNvSpPr>
+          <p:nvPr>
+            <p:ph idx="1"/>
+          </p:nvPr>
+        </p:nvSpPr>
+        <p:spPr/>
+        <p:txBody>
+          <a:bodyPr/>
+          <a:lstStyle/>
+          <a:p>
+            <a:endParaRPr lang="en-US"/>
+          </a:p>
+        </p:txBody>
+      </p:sp>
+      <p:sp>
+        <p:nvSpPr>
+          <p:cNvPr id="4" name="Oval 3"/>
+          <p:cNvSpPr/>
+          <p:nvPr/>
+        </p:nvSpPr>
+        <p:spPr>
+          <a:xfrm>
+            <a:off x="4028281" y="1361281"/>
+            <a:ext cx="4135437" cy="4135437"/>
+          </a:xfrm>
+          <a:prstGeom prst="ellipse">
+            <a:avLst/>
+          </a:prstGeom>
+        </p:spPr>
+        <p:style>
+          <a:lnRef idx="2">
+            <a:schemeClr val="accent1">
+              <a:shade val="50000"/>
+            </a:schemeClr>
+          </a:lnRef>
+          <a:fillRef idx="1">
+            <a:schemeClr val="accent1"/>
+          </a:fillRef>
+          <a:effectRef idx="0">
+            <a:schemeClr val="accent1"/>
+          </a:effectRef>
+          <a:fontRef idx="minor">
+            <a:schemeClr val="lt1"/>
+          </a:fontRef>
+        </p:style>
+        <p:txBody>
+          <a:bodyPr rtlCol="0" anchor="ctr"/>
+          <a:lstStyle/>
+          <a:p>
+            <a:pPr algn="ctr"/>
+            <a:endParaRPr lang="en-US"/>
+          </a:p>
+        </p:txBody>
+      </p:sp>
+    </p:spTree>
+    <p:extLst>
+      <p:ext uri="{BB962C8B-B14F-4D97-AF65-F5344CB8AC3E}">
+        <p14:creationId xmlns:p14="http://schemas.microsoft.com/office/powerpoint/2010/main" val="1411770772"/>
+      </p:ext>
+    </p:extLst>
+  </p:cSld>
+  <p:clrMapOvr>
+    <a:masterClrMapping/>
+  </p:clrMapOvr>
+</p:sld>
+</file>
+
+<file path=ppt/slides/slide8.xml><?xml version="1.0" encoding="utf-8"?>
+<p:sld xmlns:a="http://schemas.openxmlformats.org/drawingml/2006/main" xmlns:r="http://schemas.openxmlformats.org/officeDocument/2006/relationships" xmlns:p="http://schemas.openxmlformats.org/presentationml/2006/main">
+  <p:cSld>
+    <p:spTree>
+      <p:nvGrpSpPr>
+        <p:cNvPr id="1" name=""/>
+        <p:cNvGrpSpPr/>
+        <p:nvPr/>
+      </p:nvGrpSpPr>
+      <p:grpSpPr>
+        <a:xfrm>
+          <a:off x="0" y="0"/>
+          <a:ext cx="0" cy="0"/>
+          <a:chOff x="0" y="0"/>
+          <a:chExt cx="0" cy="0"/>
+        </a:xfrm>
+      </p:grpSpPr>
+      <p:sp>
+        <p:nvSpPr>
+          <p:cNvPr id="2" name="Title 1"/>
+          <p:cNvSpPr>
+            <a:spLocks noGrp="1"/>
+          </p:cNvSpPr>
+          <p:nvPr>
+            <p:ph type="title"/>
+          </p:nvPr>
+        </p:nvSpPr>
+        <p:spPr/>
+        <p:txBody>
+          <a:bodyPr/>
+          <a:lstStyle/>
+          <a:p>
+            <a:endParaRPr lang="en-US"/>
+          </a:p>
+        </p:txBody>
+      </p:sp>
+      <p:sp>
+        <p:nvSpPr>
+          <p:cNvPr id="3" name="Content Placeholder 2"/>
+          <p:cNvSpPr>
+            <a:spLocks noGrp="1"/>
+          </p:cNvSpPr>
+          <p:nvPr>
+            <p:ph idx="1"/>
+          </p:nvPr>
+        </p:nvSpPr>
+        <p:spPr/>
+        <p:txBody>
+          <a:bodyPr/>
+          <a:lstStyle/>
+          <a:p>
+            <a:endParaRPr lang="en-US"/>
+          </a:p>
+        </p:txBody>
+      </p:sp>
+      <p:sp>
+        <p:nvSpPr>
+          <p:cNvPr id="4" name="Oval 3"/>
+          <p:cNvSpPr/>
+          <p:nvPr/>
+        </p:nvSpPr>
+        <p:spPr>
+          <a:xfrm>
+            <a:off x="4028281" y="1361281"/>
+            <a:ext cx="4135437" cy="4135437"/>
+          </a:xfrm>
+          <a:prstGeom prst="ellipse">
+            <a:avLst/>
+          </a:prstGeom>
+        </p:spPr>
+        <p:style>
+          <a:lnRef idx="2">
+            <a:schemeClr val="accent1">
+              <a:shade val="50000"/>
+            </a:schemeClr>
+          </a:lnRef>
+          <a:fillRef idx="1">
+            <a:schemeClr val="accent1"/>
+          </a:fillRef>
+          <a:effectRef idx="0">
+            <a:schemeClr val="accent1"/>
+          </a:effectRef>
+          <a:fontRef idx="minor">
+            <a:schemeClr val="lt1"/>
+          </a:fontRef>
+        </p:style>
+        <p:txBody>
+          <a:bodyPr rtlCol="0" anchor="ctr"/>
+          <a:lstStyle/>
+          <a:p>
+            <a:pPr algn="ctr"/>
+            <a:endParaRPr lang="en-US"/>
+          </a:p>
+        </p:txBody>
+      </p:sp>
+    </p:spTree>
+    <p:extLst>
+      <p:ext uri="{BB962C8B-B14F-4D97-AF65-F5344CB8AC3E}">
+        <p14:creationId xmlns:p14="http://schemas.microsoft.com/office/powerpoint/2010/main" val="84549301"/>
+      </p:ext>
+    </p:extLst>
+  </p:cSld>
+  <p:clrMapOvr>
+    <a:masterClrMapping/>
+  </p:clrMapOvr>
+</p:sld>
+</file>
+
+<file path=ppt/slides/slide9.xml><?xml version="1.0" encoding="utf-8"?>
+<p:sld xmlns:a="http://schemas.openxmlformats.org/drawingml/2006/main" xmlns:r="http://schemas.openxmlformats.org/officeDocument/2006/relationships" xmlns:p="http://schemas.openxmlformats.org/presentationml/2006/main">
+  <p:cSld>
+    <p:spTree>
+      <p:nvGrpSpPr>
+        <p:cNvPr id="1" name=""/>
+        <p:cNvGrpSpPr/>
+        <p:nvPr/>
+      </p:nvGrpSpPr>
+      <p:grpSpPr>
+        <a:xfrm>
+          <a:off x="0" y="0"/>
+          <a:ext cx="0" cy="0"/>
+          <a:chOff x="0" y="0"/>
+          <a:chExt cx="0" cy="0"/>
+        </a:xfrm>
+      </p:grpSpPr>
+      <p:sp>
+        <p:nvSpPr>
+          <p:cNvPr id="2" name="Title 1"/>
+          <p:cNvSpPr>
+            <a:spLocks noGrp="1"/>
+          </p:cNvSpPr>
+          <p:nvPr>
+            <p:ph type="title"/>
+          </p:nvPr>
+        </p:nvSpPr>
+        <p:spPr/>
+        <p:txBody>
+          <a:bodyPr/>
+          <a:lstStyle/>
+          <a:p>
+            <a:endParaRPr lang="en-US"/>
+          </a:p>
+        </p:txBody>
+      </p:sp>
+      <p:sp>
+        <p:nvSpPr>
+          <p:cNvPr id="3" name="Content Placeholder 2"/>
+          <p:cNvSpPr>
+            <a:spLocks noGrp="1"/>
+          </p:cNvSpPr>
+          <p:nvPr>
+            <p:ph idx="1"/>
+          </p:nvPr>
+        </p:nvSpPr>
+        <p:spPr/>
+        <p:txBody>
+          <a:bodyPr/>
+          <a:lstStyle/>
+          <a:p>
+            <a:endParaRPr lang="en-US"/>
+          </a:p>
+        </p:txBody>
+      </p:sp>
+      <p:sp>
+        <p:nvSpPr>
+          <p:cNvPr id="4" name="Oval 3"/>
+          <p:cNvSpPr/>
+          <p:nvPr/>
+        </p:nvSpPr>
+        <p:spPr>
+          <a:xfrm>
+            <a:off x="4028281" y="1361281"/>
+            <a:ext cx="4135437" cy="4135437"/>
+          </a:xfrm>
+          <a:prstGeom prst="ellipse">
+            <a:avLst/>
+          </a:prstGeom>
+        </p:spPr>
+        <p:style>
+          <a:lnRef idx="2">
+            <a:schemeClr val="accent1">
+              <a:shade val="50000"/>
+            </a:schemeClr>
+          </a:lnRef>
+          <a:fillRef idx="1">
+            <a:schemeClr val="accent1"/>
+          </a:fillRef>
+          <a:effectRef idx="0">
+            <a:schemeClr val="accent1"/>
+          </a:effectRef>
+          <a:fontRef idx="minor">
+            <a:schemeClr val="lt1"/>
+          </a:fontRef>
+        </p:style>
+        <p:txBody>
+          <a:bodyPr rtlCol="0" anchor="ctr"/>
+          <a:lstStyle/>
+          <a:p>
+            <a:pPr algn="ctr"/>
+            <a:endParaRPr lang="en-US"/>
+          </a:p>
+        </p:txBody>
+      </p:sp>
+    </p:spTree>
+    <p:extLst>
+      <p:ext uri="{BB962C8B-B14F-4D97-AF65-F5344CB8AC3E}">
+        <p14:creationId xmlns:p14="http://schemas.microsoft.com/office/powerpoint/2010/main" val="1533411240"/>
       </p:ext>
     </p:extLst>
   </p:cSld>

--- a/binary/pp.pptx
+++ b/binary/pp.pptx
@@ -4637,12 +4637,15 @@
         </p:nvSpPr>
         <p:spPr>
           <a:xfrm>
-            <a:off x="4028281" y="1361281"/>
-            <a:ext cx="4135437" cy="4135437"/>
+            <a:off x="2774198" y="-347420"/>
+            <a:ext cx="7454684" cy="7454684"/>
           </a:xfrm>
           <a:prstGeom prst="ellipse">
             <a:avLst/>
           </a:prstGeom>
+          <a:solidFill>
+            <a:schemeClr val="accent2"/>
+          </a:solidFill>
         </p:spPr>
         <p:style>
           <a:lnRef idx="2">

--- a/binary/pp.pptx
+++ b/binary/pp.pptx
@@ -3125,12 +3125,15 @@
         </p:nvSpPr>
         <p:spPr>
           <a:xfrm>
-            <a:off x="7605486" y="1122363"/>
-            <a:ext cx="4135437" cy="4135437"/>
+            <a:off x="327231" y="383454"/>
+            <a:ext cx="5242296" cy="3440401"/>
           </a:xfrm>
           <a:prstGeom prst="ellipse">
             <a:avLst/>
           </a:prstGeom>
+          <a:solidFill>
+            <a:schemeClr val="accent2"/>
+          </a:solidFill>
         </p:spPr>
         <p:style>
           <a:lnRef idx="2">

--- a/binary/pp.pptx
+++ b/binary/pp.pptx
@@ -3329,7 +3329,7 @@
           <a:bodyPr/>
           <a:lstStyle/>
           <a:p>
-            <a:endParaRPr lang="en-US"/>
+            <a:endParaRPr lang="en-US" dirty="0"/>
           </a:p>
         </p:txBody>
       </p:sp>
@@ -3341,12 +3341,15 @@
         </p:nvSpPr>
         <p:spPr>
           <a:xfrm>
-            <a:off x="4028281" y="1361281"/>
+            <a:off x="4028281" y="1265029"/>
             <a:ext cx="4135437" cy="4135437"/>
           </a:xfrm>
           <a:prstGeom prst="ellipse">
             <a:avLst/>
           </a:prstGeom>
+          <a:solidFill>
+            <a:schemeClr val="accent2"/>
+          </a:solidFill>
         </p:spPr>
         <p:style>
           <a:lnRef idx="2">
@@ -3369,7 +3372,11 @@
           <a:lstStyle/>
           <a:p>
             <a:pPr algn="ctr"/>
-            <a:endParaRPr lang="en-US"/>
+            <a:r>
+              <a:rPr lang="ja-JP" altLang="en-US" sz="9600" smtClean="0"/>
+              <a:t>牛</a:t>
+            </a:r>
+            <a:endParaRPr lang="en-US" sz="9600" dirty="0"/>
           </a:p>
         </p:txBody>
       </p:sp>

--- a/binary/pp.pptx
+++ b/binary/pp.pptx
@@ -3881,12 +3881,25 @@
         </p:nvSpPr>
         <p:spPr>
           <a:xfrm>
-            <a:off x="4028281" y="1361281"/>
+            <a:off x="316251" y="365125"/>
             <a:ext cx="4135437" cy="4135437"/>
           </a:xfrm>
           <a:prstGeom prst="ellipse">
             <a:avLst/>
           </a:prstGeom>
+          <a:solidFill>
+            <a:schemeClr val="bg1">
+              <a:lumMod val="95000"/>
+            </a:schemeClr>
+          </a:solidFill>
+          <a:ln>
+            <a:solidFill>
+              <a:schemeClr val="accent4">
+                <a:lumMod val="20000"/>
+                <a:lumOff val="80000"/>
+              </a:schemeClr>
+            </a:solidFill>
+          </a:ln>
         </p:spPr>
         <p:style>
           <a:lnRef idx="2">
